--- a/Оптимальный порядок отправки агрегатов в ремонт.pptx
+++ b/Оптимальный порядок отправки агрегатов в ремонт.pptx
@@ -6347,77 +6347,6 @@
           </a:p>
         </p:txBody>
       </p:sp>
-      <p:pic>
-        <p:nvPicPr>
-          <p:cNvPr id="5" name="Объект 4">
-            <a:extLst>
-              <a:ext uri="{FF2B5EF4-FFF2-40B4-BE49-F238E27FC236}">
-                <a16:creationId xmlns:a16="http://schemas.microsoft.com/office/drawing/2014/main" id="{FCF895EB-DB16-43A0-5D9A-1F75B70B9DF8}"/>
-              </a:ext>
-            </a:extLst>
-          </p:cNvPr>
-          <p:cNvPicPr>
-            <a:picLocks noGrp="1" noChangeAspect="1"/>
-          </p:cNvPicPr>
-          <p:nvPr>
-            <p:ph idx="1"/>
-          </p:nvPr>
-        </p:nvPicPr>
-        <p:blipFill>
-          <a:blip r:embed="rId2">
-            <a:extLst>
-              <a:ext uri="{28A0092B-C50C-407E-A947-70E740481C1C}">
-                <a14:useLocalDpi xmlns:a14="http://schemas.microsoft.com/office/drawing/2010/main" val="0"/>
-              </a:ext>
-            </a:extLst>
-          </a:blip>
-          <a:stretch>
-            <a:fillRect/>
-          </a:stretch>
-        </p:blipFill>
-        <p:spPr>
-          <a:xfrm>
-            <a:off x="1374775" y="1844675"/>
-            <a:ext cx="9439275" cy="1895475"/>
-          </a:xfrm>
-        </p:spPr>
-      </p:pic>
-      <p:pic>
-        <p:nvPicPr>
-          <p:cNvPr id="7" name="Рисунок 6" descr="Изображение выглядит как текст&#10;&#10;Автоматически созданное описание">
-            <a:extLst>
-              <a:ext uri="{FF2B5EF4-FFF2-40B4-BE49-F238E27FC236}">
-                <a16:creationId xmlns:a16="http://schemas.microsoft.com/office/drawing/2014/main" id="{BDF64CDB-B0BD-64CE-C777-9A7BB24359EC}"/>
-              </a:ext>
-            </a:extLst>
-          </p:cNvPr>
-          <p:cNvPicPr>
-            <a:picLocks noChangeAspect="1"/>
-          </p:cNvPicPr>
-          <p:nvPr/>
-        </p:nvPicPr>
-        <p:blipFill>
-          <a:blip r:embed="rId3">
-            <a:extLst>
-              <a:ext uri="{28A0092B-C50C-407E-A947-70E740481C1C}">
-                <a14:useLocalDpi xmlns:a14="http://schemas.microsoft.com/office/drawing/2010/main" val="0"/>
-              </a:ext>
-            </a:extLst>
-          </a:blip>
-          <a:stretch>
-            <a:fillRect/>
-          </a:stretch>
-        </p:blipFill>
-        <p:spPr>
-          <a:xfrm>
-            <a:off x="1374775" y="3805238"/>
-            <a:ext cx="9439275" cy="2489200"/>
-          </a:xfrm>
-          <a:prstGeom prst="rect">
-            <a:avLst/>
-          </a:prstGeom>
-        </p:spPr>
-      </p:pic>
       <p:sp>
         <p:nvSpPr>
           <p:cNvPr id="2" name="Заголовок 1">
@@ -6460,6 +6389,76 @@
           </a:p>
         </p:txBody>
       </p:sp>
+      <p:pic>
+        <p:nvPicPr>
+          <p:cNvPr id="10" name="Объект 9">
+            <a:extLst>
+              <a:ext uri="{FF2B5EF4-FFF2-40B4-BE49-F238E27FC236}">
+                <a16:creationId xmlns:a16="http://schemas.microsoft.com/office/drawing/2014/main" id="{473EDEEC-AFE0-DFF3-B72B-595A3334A379}"/>
+              </a:ext>
+            </a:extLst>
+          </p:cNvPr>
+          <p:cNvPicPr>
+            <a:picLocks noGrp="1" noChangeAspect="1"/>
+          </p:cNvPicPr>
+          <p:nvPr>
+            <p:ph idx="1"/>
+          </p:nvPr>
+        </p:nvPicPr>
+        <p:blipFill>
+          <a:blip r:embed="rId2">
+            <a:extLst>
+              <a:ext uri="{28A0092B-C50C-407E-A947-70E740481C1C}">
+                <a14:useLocalDpi xmlns:a14="http://schemas.microsoft.com/office/drawing/2010/main" val="0"/>
+              </a:ext>
+            </a:extLst>
+          </a:blip>
+          <a:stretch>
+            <a:fillRect/>
+          </a:stretch>
+        </p:blipFill>
+        <p:spPr>
+          <a:xfrm>
+            <a:off x="838200" y="1786301"/>
+            <a:ext cx="10515600" cy="2252270"/>
+          </a:xfrm>
+        </p:spPr>
+      </p:pic>
+      <p:pic>
+        <p:nvPicPr>
+          <p:cNvPr id="12" name="Рисунок 11" descr="Изображение выглядит как текст&#10;&#10;Автоматически созданное описание">
+            <a:extLst>
+              <a:ext uri="{FF2B5EF4-FFF2-40B4-BE49-F238E27FC236}">
+                <a16:creationId xmlns:a16="http://schemas.microsoft.com/office/drawing/2014/main" id="{FE679788-98A0-412E-CB8B-FDEC54CAEE8A}"/>
+              </a:ext>
+            </a:extLst>
+          </p:cNvPr>
+          <p:cNvPicPr>
+            <a:picLocks noChangeAspect="1"/>
+          </p:cNvPicPr>
+          <p:nvPr/>
+        </p:nvPicPr>
+        <p:blipFill rotWithShape="1">
+          <a:blip r:embed="rId3">
+            <a:extLst>
+              <a:ext uri="{28A0092B-C50C-407E-A947-70E740481C1C}">
+                <a14:useLocalDpi xmlns:a14="http://schemas.microsoft.com/office/drawing/2010/main" val="0"/>
+              </a:ext>
+            </a:extLst>
+          </a:blip>
+          <a:srcRect b="4429"/>
+          <a:stretch/>
+        </p:blipFill>
+        <p:spPr>
+          <a:xfrm>
+            <a:off x="634580" y="3873357"/>
+            <a:ext cx="10919791" cy="2799838"/>
+          </a:xfrm>
+          <a:prstGeom prst="rect">
+            <a:avLst/>
+          </a:prstGeom>
+        </p:spPr>
+      </p:pic>
     </p:spTree>
     <p:extLst>
       <p:ext uri="{BB962C8B-B14F-4D97-AF65-F5344CB8AC3E}">
